--- a/css/css-flex.pptx
+++ b/css/css-flex.pptx
@@ -6,15 +6,11 @@
     <p:sldMasterId id="2147483660" r:id="rId3"/>
   </p:sldMasterIdLst>
   <p:notesMasterIdLst>
-    <p:notesMasterId r:id="rId10"/>
+    <p:notesMasterId r:id="rId6"/>
   </p:notesMasterIdLst>
   <p:sldIdLst>
     <p:sldId id="279" r:id="rId4"/>
-    <p:sldId id="293" r:id="rId5"/>
-    <p:sldId id="294" r:id="rId6"/>
-    <p:sldId id="280" r:id="rId7"/>
-    <p:sldId id="281" r:id="rId8"/>
-    <p:sldId id="282" r:id="rId9"/>
+    <p:sldId id="294" r:id="rId5"/>
   </p:sldIdLst>
   <p:sldSz cx="12192000" cy="6858000"/>
   <p:notesSz cx="7103745" cy="10234295"/>
@@ -9131,51 +9127,6 @@
         <p:nvPr/>
       </p:nvGrpSpPr>
       <p:grpSpPr/>
-      <p:pic>
-        <p:nvPicPr>
-          <p:cNvPr id="4" name="图片 3"/>
-          <p:cNvPicPr>
-            <a:picLocks noChangeAspect="1"/>
-          </p:cNvPicPr>
-          <p:nvPr/>
-        </p:nvPicPr>
-        <p:blipFill>
-          <a:blip r:embed="rId1"/>
-          <a:stretch>
-            <a:fillRect/>
-          </a:stretch>
-        </p:blipFill>
-        <p:spPr>
-          <a:xfrm>
-            <a:off x="516890" y="15240"/>
-            <a:ext cx="11205210" cy="6819900"/>
-          </a:xfrm>
-          <a:prstGeom prst="rect">
-            <a:avLst/>
-          </a:prstGeom>
-        </p:spPr>
-      </p:pic>
-    </p:spTree>
-    <p:custDataLst>
-      <p:tags r:id="rId2"/>
-    </p:custDataLst>
-  </p:cSld>
-  <p:clrMapOvr>
-    <a:masterClrMapping/>
-  </p:clrMapOvr>
-</p:sld>
-</file>
-
-<file path=ppt/slides/slide3.xml><?xml version="1.0" encoding="utf-8"?>
-<p:sld xmlns:a="http://schemas.openxmlformats.org/drawingml/2006/main" xmlns:r="http://schemas.openxmlformats.org/officeDocument/2006/relationships" xmlns:p="http://schemas.openxmlformats.org/presentationml/2006/main">
-  <p:cSld>
-    <p:spTree>
-      <p:nvGrpSpPr>
-        <p:cNvPr id="1" name=""/>
-        <p:cNvGrpSpPr/>
-        <p:nvPr/>
-      </p:nvGrpSpPr>
-      <p:grpSpPr/>
       <p:sp>
         <p:nvSpPr>
           <p:cNvPr id="2" name="标题 1"/>
@@ -9248,20 +9199,28 @@
               </a:rPr>
             </a:br>
             <a:r>
-              <a:rPr lang="zh-CN" altLang="en-US" sz="2000">
-                <a:solidFill>
-                  <a:schemeClr val="bg1"/>
-                </a:solidFill>
+              <a:rPr lang="en-US" altLang="zh-CN" sz="2000">
                 <a:latin typeface="Arial" panose="020B0604020202020204" pitchFamily="34" charset="0"/>
                 <a:sym typeface="+mn-ea"/>
               </a:rPr>
-              <a:t>在什么基础上进行弹性伸缩？</a:t>
+              <a:t>flex item </a:t>
+            </a:r>
+            <a:r>
+              <a:rPr lang="zh-CN" altLang="zh-CN" sz="2000">
+                <a:latin typeface="Arial" panose="020B0604020202020204" pitchFamily="34" charset="0"/>
+                <a:sym typeface="+mn-ea"/>
+              </a:rPr>
+              <a:t>伸缩</a:t>
+            </a:r>
+            <a:r>
+              <a:rPr lang="zh-CN" altLang="en-US" sz="2000">
+                <a:latin typeface="Arial" panose="020B0604020202020204" pitchFamily="34" charset="0"/>
+                <a:sym typeface="+mn-ea"/>
+              </a:rPr>
+              <a:t>的额外空间来至哪里？</a:t>
             </a:r>
             <a:br>
               <a:rPr lang="zh-CN" altLang="en-US" sz="2000">
-                <a:solidFill>
-                  <a:schemeClr val="bg1"/>
-                </a:solidFill>
                 <a:latin typeface="Arial" panose="020B0604020202020204" pitchFamily="34" charset="0"/>
                 <a:sym typeface="+mn-ea"/>
               </a:rPr>
@@ -9271,21 +9230,7 @@
                 <a:latin typeface="Arial" panose="020B0604020202020204" pitchFamily="34" charset="0"/>
                 <a:sym typeface="+mn-ea"/>
               </a:rPr>
-              <a:t>On what basis do the flex item </a:t>
-            </a:r>
-            <a:r>
-              <a:rPr lang="en-US" altLang="zh-CN" sz="2000">
-                <a:latin typeface="Arial" panose="020B0604020202020204" pitchFamily="34" charset="0"/>
-                <a:sym typeface="+mn-ea"/>
-              </a:rPr>
-              <a:t>grow up or shrink back</a:t>
-            </a:r>
-            <a:r>
-              <a:rPr lang="en-US" altLang="zh-CN" sz="2000">
-                <a:latin typeface="Arial" panose="020B0604020202020204" pitchFamily="34" charset="0"/>
-                <a:sym typeface="+mn-ea"/>
-              </a:rPr>
-              <a:t>?</a:t>
+              <a:t>Where does the extra space for the flex item scale? </a:t>
             </a:r>
             <a:br>
               <a:rPr lang="zh-CN" altLang="en-US" sz="2000">
@@ -9306,26 +9251,6 @@
               </a:rPr>
             </a:br>
             <a:r>
-              <a:rPr lang="en-US" altLang="zh-CN" sz="2000">
-                <a:solidFill>
-                  <a:schemeClr val="bg1"/>
-                </a:solidFill>
-                <a:latin typeface="Arial" panose="020B0604020202020204" pitchFamily="34" charset="0"/>
-                <a:sym typeface="+mn-ea"/>
-              </a:rPr>
-              <a:t>flex item </a:t>
-            </a:r>
-            <a:r>
-              <a:rPr lang="zh-CN" altLang="zh-CN" sz="2000">
-                <a:solidFill>
-                  <a:schemeClr val="bg1"/>
-                </a:solidFill>
-                <a:latin typeface="Arial" panose="020B0604020202020204" pitchFamily="34" charset="0"/>
-                <a:sym typeface="+mn-ea"/>
-              </a:rPr>
-              <a:t>伸缩</a:t>
-            </a:r>
-            <a:r>
               <a:rPr lang="zh-CN" altLang="en-US" sz="2000">
                 <a:solidFill>
                   <a:schemeClr val="bg1"/>
@@ -9333,24 +9258,7 @@
                 <a:latin typeface="Arial" panose="020B0604020202020204" pitchFamily="34" charset="0"/>
                 <a:sym typeface="+mn-ea"/>
               </a:rPr>
-              <a:t>的</a:t>
-            </a:r>
-            <a:r>
-              <a:rPr lang="zh-CN" altLang="en-US" sz="2000">
-                <a:latin typeface="Arial" panose="020B0604020202020204" pitchFamily="34" charset="0"/>
-                <a:sym typeface="+mn-ea"/>
-              </a:rPr>
-              <a:t>额外</a:t>
-            </a:r>
-            <a:r>
-              <a:rPr lang="zh-CN" altLang="en-US" sz="2000">
-                <a:solidFill>
-                  <a:schemeClr val="bg1"/>
-                </a:solidFill>
-                <a:latin typeface="Arial" panose="020B0604020202020204" pitchFamily="34" charset="0"/>
-                <a:sym typeface="+mn-ea"/>
-              </a:rPr>
-              <a:t>空间来至哪里？</a:t>
+              <a:t>伸缩多少？</a:t>
             </a:r>
             <a:br>
               <a:rPr lang="zh-CN" altLang="en-US" sz="2000">
@@ -9369,14 +9277,14 @@
                 <a:latin typeface="Arial" panose="020B0604020202020204" pitchFamily="34" charset="0"/>
                 <a:sym typeface="+mn-ea"/>
               </a:rPr>
-              <a:t>Where does the</a:t>
+              <a:t>How much space to grow or shrink for</a:t>
             </a:r>
             <a:r>
               <a:rPr lang="en-US" altLang="zh-CN" sz="2000">
                 <a:latin typeface="Arial" panose="020B0604020202020204" pitchFamily="34" charset="0"/>
                 <a:sym typeface="+mn-ea"/>
               </a:rPr>
-              <a:t> extra space for the flex item scale</a:t>
+              <a:t> the flex item </a:t>
             </a:r>
             <a:r>
               <a:rPr lang="en-US" altLang="zh-CN" sz="2000">
@@ -9386,7 +9294,42 @@
                 <a:latin typeface="Arial" panose="020B0604020202020204" pitchFamily="34" charset="0"/>
                 <a:sym typeface="+mn-ea"/>
               </a:rPr>
-              <a:t>? </a:t>
+              <a:t>along the main axis?</a:t>
+            </a:r>
+            <a:br>
+              <a:rPr lang="en-US" altLang="zh-CN" sz="2000">
+                <a:solidFill>
+                  <a:schemeClr val="bg1"/>
+                </a:solidFill>
+                <a:latin typeface="Arial" panose="020B0604020202020204" pitchFamily="34" charset="0"/>
+                <a:sym typeface="+mn-ea"/>
+              </a:rPr>
+            </a:br>
+            <a:br>
+              <a:rPr lang="zh-CN" altLang="en-US" sz="2000">
+                <a:latin typeface="Arial" panose="020B0604020202020204" pitchFamily="34" charset="0"/>
+                <a:sym typeface="+mn-ea"/>
+              </a:rPr>
+            </a:br>
+            <a:r>
+              <a:rPr lang="zh-CN" altLang="en-US" sz="2000">
+                <a:latin typeface="Arial" panose="020B0604020202020204" pitchFamily="34" charset="0"/>
+                <a:sym typeface="+mn-ea"/>
+              </a:rPr>
+              <a:t>在什么基础上进行弹性伸缩？</a:t>
+            </a:r>
+            <a:br>
+              <a:rPr lang="zh-CN" altLang="en-US" sz="2000">
+                <a:latin typeface="Arial" panose="020B0604020202020204" pitchFamily="34" charset="0"/>
+                <a:sym typeface="+mn-ea"/>
+              </a:rPr>
+            </a:br>
+            <a:r>
+              <a:rPr lang="en-US" altLang="zh-CN" sz="2000">
+                <a:latin typeface="Arial" panose="020B0604020202020204" pitchFamily="34" charset="0"/>
+                <a:sym typeface="+mn-ea"/>
+              </a:rPr>
+              <a:t>On what basis do the flex item grow up or shrink back?</a:t>
             </a:r>
             <a:br>
               <a:rPr lang="zh-CN" altLang="en-US" sz="2000">
@@ -9414,70 +9357,6 @@
                 <a:latin typeface="Arial" panose="020B0604020202020204" pitchFamily="34" charset="0"/>
                 <a:sym typeface="+mn-ea"/>
               </a:rPr>
-              <a:t>伸缩多少？</a:t>
-            </a:r>
-            <a:br>
-              <a:rPr lang="zh-CN" altLang="en-US" sz="2000">
-                <a:solidFill>
-                  <a:schemeClr val="bg1"/>
-                </a:solidFill>
-                <a:latin typeface="Arial" panose="020B0604020202020204" pitchFamily="34" charset="0"/>
-                <a:sym typeface="+mn-ea"/>
-              </a:rPr>
-            </a:br>
-            <a:r>
-              <a:rPr lang="en-US" altLang="zh-CN" sz="2000">
-                <a:solidFill>
-                  <a:schemeClr val="bg1"/>
-                </a:solidFill>
-                <a:latin typeface="Arial" panose="020B0604020202020204" pitchFamily="34" charset="0"/>
-                <a:sym typeface="+mn-ea"/>
-              </a:rPr>
-              <a:t>How much space to grow or shrink for</a:t>
-            </a:r>
-            <a:r>
-              <a:rPr lang="en-US" altLang="zh-CN" sz="2000">
-                <a:latin typeface="Arial" panose="020B0604020202020204" pitchFamily="34" charset="0"/>
-                <a:sym typeface="+mn-ea"/>
-              </a:rPr>
-              <a:t> the flex item </a:t>
-            </a:r>
-            <a:r>
-              <a:rPr lang="en-US" altLang="zh-CN" sz="2000">
-                <a:solidFill>
-                  <a:schemeClr val="bg1"/>
-                </a:solidFill>
-                <a:latin typeface="Arial" panose="020B0604020202020204" pitchFamily="34" charset="0"/>
-                <a:sym typeface="+mn-ea"/>
-              </a:rPr>
-              <a:t>along the main axis?</a:t>
-            </a:r>
-            <a:br>
-              <a:rPr lang="zh-CN" altLang="en-US" sz="2000">
-                <a:solidFill>
-                  <a:schemeClr val="bg1"/>
-                </a:solidFill>
-                <a:latin typeface="Arial" panose="020B0604020202020204" pitchFamily="34" charset="0"/>
-                <a:sym typeface="+mn-ea"/>
-              </a:rPr>
-            </a:br>
-            <a:br>
-              <a:rPr lang="zh-CN" altLang="en-US" sz="2000">
-                <a:solidFill>
-                  <a:schemeClr val="bg1"/>
-                </a:solidFill>
-                <a:latin typeface="Arial" panose="020B0604020202020204" pitchFamily="34" charset="0"/>
-                <a:sym typeface="+mn-ea"/>
-              </a:rPr>
-            </a:br>
-            <a:r>
-              <a:rPr lang="zh-CN" altLang="en-US" sz="2000">
-                <a:solidFill>
-                  <a:schemeClr val="bg1"/>
-                </a:solidFill>
-                <a:latin typeface="Arial" panose="020B0604020202020204" pitchFamily="34" charset="0"/>
-                <a:sym typeface="+mn-ea"/>
-              </a:rPr>
               <a:t>伸缩后的大小是多少？</a:t>
             </a:r>
             <a:br>
@@ -9518,496 +9397,6 @@
           </a:p>
         </p:txBody>
       </p:sp>
-    </p:spTree>
-    <p:custDataLst>
-      <p:tags r:id="rId1"/>
-    </p:custDataLst>
-  </p:cSld>
-  <p:clrMapOvr>
-    <a:masterClrMapping/>
-  </p:clrMapOvr>
-</p:sld>
-</file>
-
-<file path=ppt/slides/slide4.xml><?xml version="1.0" encoding="utf-8"?>
-<p:sld xmlns:a="http://schemas.openxmlformats.org/drawingml/2006/main" xmlns:r="http://schemas.openxmlformats.org/officeDocument/2006/relationships" xmlns:p="http://schemas.openxmlformats.org/presentationml/2006/main">
-  <p:cSld>
-    <p:spTree>
-      <p:nvGrpSpPr>
-        <p:cNvPr id="1" name=""/>
-        <p:cNvGrpSpPr/>
-        <p:nvPr/>
-      </p:nvGrpSpPr>
-      <p:grpSpPr/>
-      <p:pic>
-        <p:nvPicPr>
-          <p:cNvPr id="5" name="图片 4"/>
-          <p:cNvPicPr>
-            <a:picLocks noChangeAspect="1"/>
-          </p:cNvPicPr>
-          <p:nvPr/>
-        </p:nvPicPr>
-        <p:blipFill>
-          <a:blip r:embed="rId1"/>
-          <a:stretch>
-            <a:fillRect/>
-          </a:stretch>
-        </p:blipFill>
-        <p:spPr>
-          <a:xfrm>
-            <a:off x="20320" y="1803400"/>
-            <a:ext cx="12151995" cy="4516120"/>
-          </a:xfrm>
-          <a:prstGeom prst="rect">
-            <a:avLst/>
-          </a:prstGeom>
-        </p:spPr>
-      </p:pic>
-      <p:sp>
-        <p:nvSpPr>
-          <p:cNvPr id="6" name="文本框 5"/>
-          <p:cNvSpPr txBox="1"/>
-          <p:nvPr/>
-        </p:nvSpPr>
-        <p:spPr>
-          <a:xfrm>
-            <a:off x="4764405" y="488315"/>
-            <a:ext cx="3481705" cy="583565"/>
-          </a:xfrm>
-          <a:prstGeom prst="rect">
-            <a:avLst/>
-          </a:prstGeom>
-          <a:noFill/>
-        </p:spPr>
-        <p:txBody>
-          <a:bodyPr wrap="none" rtlCol="0">
-            <a:spAutoFit/>
-          </a:bodyPr>
-          <a:p>
-            <a:r>
-              <a:rPr lang="en-US" altLang="zh-CN" sz="3200">
-                <a:solidFill>
-                  <a:schemeClr val="bg1"/>
-                </a:solidFill>
-              </a:rPr>
-              <a:t>Release Schedule</a:t>
-            </a:r>
-            <a:endParaRPr lang="en-US" altLang="zh-CN" sz="3200">
-              <a:solidFill>
-                <a:schemeClr val="bg1"/>
-              </a:solidFill>
-            </a:endParaRPr>
-          </a:p>
-        </p:txBody>
-      </p:sp>
-    </p:spTree>
-    <p:custDataLst>
-      <p:tags r:id="rId2"/>
-    </p:custDataLst>
-  </p:cSld>
-  <p:clrMapOvr>
-    <a:masterClrMapping/>
-  </p:clrMapOvr>
-</p:sld>
-</file>
-
-<file path=ppt/slides/slide5.xml><?xml version="1.0" encoding="utf-8"?>
-<p:sld xmlns:a="http://schemas.openxmlformats.org/drawingml/2006/main" xmlns:r="http://schemas.openxmlformats.org/officeDocument/2006/relationships" xmlns:p="http://schemas.openxmlformats.org/presentationml/2006/main">
-  <p:cSld>
-    <p:spTree>
-      <p:nvGrpSpPr>
-        <p:cNvPr id="1" name=""/>
-        <p:cNvGrpSpPr/>
-        <p:nvPr/>
-      </p:nvGrpSpPr>
-      <p:grpSpPr/>
-      <p:pic>
-        <p:nvPicPr>
-          <p:cNvPr id="2" name="图片 1"/>
-          <p:cNvPicPr>
-            <a:picLocks noChangeAspect="1"/>
-          </p:cNvPicPr>
-          <p:nvPr/>
-        </p:nvPicPr>
-        <p:blipFill>
-          <a:blip r:embed="rId1"/>
-          <a:stretch>
-            <a:fillRect/>
-          </a:stretch>
-        </p:blipFill>
-        <p:spPr>
-          <a:xfrm>
-            <a:off x="453390" y="386715"/>
-            <a:ext cx="11344910" cy="6003290"/>
-          </a:xfrm>
-          <a:prstGeom prst="rect">
-            <a:avLst/>
-          </a:prstGeom>
-        </p:spPr>
-      </p:pic>
-    </p:spTree>
-    <p:custDataLst>
-      <p:tags r:id="rId2"/>
-    </p:custDataLst>
-  </p:cSld>
-  <p:clrMapOvr>
-    <a:masterClrMapping/>
-  </p:clrMapOvr>
-</p:sld>
-</file>
-
-<file path=ppt/slides/slide6.xml><?xml version="1.0" encoding="utf-8"?>
-<p:sld xmlns:a="http://schemas.openxmlformats.org/drawingml/2006/main" xmlns:r="http://schemas.openxmlformats.org/officeDocument/2006/relationships" xmlns:p="http://schemas.openxmlformats.org/presentationml/2006/main">
-  <p:cSld>
-    <p:spTree>
-      <p:nvGrpSpPr>
-        <p:cNvPr id="1" name=""/>
-        <p:cNvGrpSpPr/>
-        <p:nvPr/>
-      </p:nvGrpSpPr>
-      <p:grpSpPr/>
-      <p:sp>
-        <p:nvSpPr>
-          <p:cNvPr id="4" name="文本框 3"/>
-          <p:cNvSpPr txBox="1"/>
-          <p:nvPr/>
-        </p:nvSpPr>
-        <p:spPr>
-          <a:xfrm>
-            <a:off x="4276725" y="2784475"/>
-            <a:ext cx="3637915" cy="1014730"/>
-          </a:xfrm>
-          <a:prstGeom prst="rect">
-            <a:avLst/>
-          </a:prstGeom>
-          <a:noFill/>
-        </p:spPr>
-        <p:txBody>
-          <a:bodyPr wrap="square" rtlCol="0">
-            <a:spAutoFit/>
-          </a:bodyPr>
-          <a:p>
-            <a:pPr algn="ctr"/>
-            <a:r>
-              <a:rPr lang="en-US" altLang="zh-CN" sz="6000">
-                <a:solidFill>
-                  <a:schemeClr val="accent6"/>
-                </a:solidFill>
-              </a:rPr>
-              <a:t>8</a:t>
-            </a:r>
-            <a:r>
-              <a:rPr lang="en-US" altLang="zh-CN" sz="6000"/>
-              <a:t>.</a:t>
-            </a:r>
-            <a:r>
-              <a:rPr lang="en-US" altLang="zh-CN" sz="6000">
-                <a:solidFill>
-                  <a:srgbClr val="92D050"/>
-                </a:solidFill>
-              </a:rPr>
-              <a:t>11</a:t>
-            </a:r>
-            <a:r>
-              <a:rPr lang="en-US" altLang="zh-CN" sz="6000"/>
-              <a:t>.</a:t>
-            </a:r>
-            <a:r>
-              <a:rPr lang="en-US" altLang="zh-CN" sz="6000">
-                <a:solidFill>
-                  <a:schemeClr val="bg1"/>
-                </a:solidFill>
-              </a:rPr>
-              <a:t>3</a:t>
-            </a:r>
-            <a:endParaRPr lang="en-US" altLang="zh-CN" sz="6000">
-              <a:solidFill>
-                <a:schemeClr val="bg1"/>
-              </a:solidFill>
-            </a:endParaRPr>
-          </a:p>
-        </p:txBody>
-      </p:sp>
-      <p:sp>
-        <p:nvSpPr>
-          <p:cNvPr id="5" name="文本框 4"/>
-          <p:cNvSpPr txBox="1"/>
-          <p:nvPr/>
-        </p:nvSpPr>
-        <p:spPr>
-          <a:xfrm>
-            <a:off x="1804670" y="1697990"/>
-            <a:ext cx="3108960" cy="368300"/>
-          </a:xfrm>
-          <a:prstGeom prst="rect">
-            <a:avLst/>
-          </a:prstGeom>
-          <a:noFill/>
-        </p:spPr>
-        <p:txBody>
-          <a:bodyPr wrap="square" rtlCol="0">
-            <a:spAutoFit/>
-          </a:bodyPr>
-          <a:p>
-            <a:r>
-              <a:rPr lang="zh-CN" altLang="en-US">
-                <a:solidFill>
-                  <a:schemeClr val="bg1"/>
-                </a:solidFill>
-              </a:rPr>
-              <a:t>可能有版本兼容性的变更</a:t>
-            </a:r>
-            <a:endParaRPr lang="zh-CN" altLang="en-US">
-              <a:solidFill>
-                <a:schemeClr val="bg1"/>
-              </a:solidFill>
-            </a:endParaRPr>
-          </a:p>
-        </p:txBody>
-      </p:sp>
-      <p:sp>
-        <p:nvSpPr>
-          <p:cNvPr id="8" name="文本框 7"/>
-          <p:cNvSpPr txBox="1"/>
-          <p:nvPr/>
-        </p:nvSpPr>
-        <p:spPr>
-          <a:xfrm>
-            <a:off x="4615815" y="4738370"/>
-            <a:ext cx="3108960" cy="645160"/>
-          </a:xfrm>
-          <a:prstGeom prst="rect">
-            <a:avLst/>
-          </a:prstGeom>
-          <a:noFill/>
-        </p:spPr>
-        <p:txBody>
-          <a:bodyPr wrap="square" rtlCol="0">
-            <a:spAutoFit/>
-          </a:bodyPr>
-          <a:p>
-            <a:r>
-              <a:rPr lang="zh-CN" altLang="en-US">
-                <a:solidFill>
-                  <a:schemeClr val="bg1"/>
-                </a:solidFill>
-              </a:rPr>
-              <a:t>不会有版本兼容性的变更；</a:t>
-            </a:r>
-            <a:endParaRPr lang="zh-CN" altLang="en-US">
-              <a:solidFill>
-                <a:schemeClr val="bg1"/>
-              </a:solidFill>
-            </a:endParaRPr>
-          </a:p>
-          <a:p>
-            <a:r>
-              <a:rPr lang="zh-CN" altLang="en-US">
-                <a:solidFill>
-                  <a:schemeClr val="bg1"/>
-                </a:solidFill>
-              </a:rPr>
-              <a:t>增加了一些新的特性；</a:t>
-            </a:r>
-            <a:endParaRPr lang="zh-CN" altLang="en-US">
-              <a:solidFill>
-                <a:schemeClr val="bg1"/>
-              </a:solidFill>
-            </a:endParaRPr>
-          </a:p>
-        </p:txBody>
-      </p:sp>
-      <p:sp>
-        <p:nvSpPr>
-          <p:cNvPr id="9" name="文本框 8"/>
-          <p:cNvSpPr txBox="1"/>
-          <p:nvPr/>
-        </p:nvSpPr>
-        <p:spPr>
-          <a:xfrm>
-            <a:off x="8184515" y="1697990"/>
-            <a:ext cx="3108960" cy="922020"/>
-          </a:xfrm>
-          <a:prstGeom prst="rect">
-            <a:avLst/>
-          </a:prstGeom>
-          <a:noFill/>
-        </p:spPr>
-        <p:txBody>
-          <a:bodyPr wrap="square" rtlCol="0">
-            <a:spAutoFit/>
-          </a:bodyPr>
-          <a:p>
-            <a:r>
-              <a:rPr lang="zh-CN" altLang="en-US">
-                <a:solidFill>
-                  <a:schemeClr val="bg1"/>
-                </a:solidFill>
-              </a:rPr>
-              <a:t>不会有版本兼容性的变更；</a:t>
-            </a:r>
-            <a:endParaRPr lang="zh-CN" altLang="en-US">
-              <a:solidFill>
-                <a:schemeClr val="bg1"/>
-              </a:solidFill>
-            </a:endParaRPr>
-          </a:p>
-          <a:p>
-            <a:r>
-              <a:rPr lang="zh-CN" altLang="en-US">
-                <a:solidFill>
-                  <a:schemeClr val="bg1"/>
-                </a:solidFill>
-              </a:rPr>
-              <a:t>不会增加新的特性；</a:t>
-            </a:r>
-            <a:endParaRPr lang="zh-CN" altLang="en-US">
-              <a:solidFill>
-                <a:schemeClr val="bg1"/>
-              </a:solidFill>
-            </a:endParaRPr>
-          </a:p>
-          <a:p>
-            <a:r>
-              <a:rPr lang="zh-CN" altLang="en-US">
-                <a:solidFill>
-                  <a:schemeClr val="bg1"/>
-                </a:solidFill>
-              </a:rPr>
-              <a:t>主要是</a:t>
-            </a:r>
-            <a:r>
-              <a:rPr lang="en-US" altLang="zh-CN">
-                <a:solidFill>
-                  <a:schemeClr val="bg1"/>
-                </a:solidFill>
-              </a:rPr>
-              <a:t>bug</a:t>
-            </a:r>
-            <a:r>
-              <a:rPr lang="zh-CN" altLang="en-US">
-                <a:solidFill>
-                  <a:schemeClr val="bg1"/>
-                </a:solidFill>
-              </a:rPr>
-              <a:t>或者安全类的修复；</a:t>
-            </a:r>
-            <a:endParaRPr lang="zh-CN" altLang="en-US">
-              <a:solidFill>
-                <a:schemeClr val="bg1"/>
-              </a:solidFill>
-            </a:endParaRPr>
-          </a:p>
-        </p:txBody>
-      </p:sp>
-      <p:cxnSp>
-        <p:nvCxnSpPr>
-          <p:cNvPr id="10" name="直接箭头连接符 9"/>
-          <p:cNvCxnSpPr/>
-          <p:nvPr/>
-        </p:nvCxnSpPr>
-        <p:spPr>
-          <a:xfrm>
-            <a:off x="3862070" y="2119630"/>
-            <a:ext cx="1156335" cy="1036320"/>
-          </a:xfrm>
-          <a:prstGeom prst="straightConnector1">
-            <a:avLst/>
-          </a:prstGeom>
-          <a:ln>
-            <a:solidFill>
-              <a:schemeClr val="bg1"/>
-            </a:solidFill>
-            <a:tailEnd type="arrow" w="lg" len="lg"/>
-          </a:ln>
-        </p:spPr>
-        <p:style>
-          <a:lnRef idx="1">
-            <a:schemeClr val="accent1"/>
-          </a:lnRef>
-          <a:fillRef idx="0">
-            <a:schemeClr val="accent1"/>
-          </a:fillRef>
-          <a:effectRef idx="0">
-            <a:schemeClr val="accent1"/>
-          </a:effectRef>
-          <a:fontRef idx="minor">
-            <a:schemeClr val="tx1"/>
-          </a:fontRef>
-        </p:style>
-      </p:cxnSp>
-      <p:cxnSp>
-        <p:nvCxnSpPr>
-          <p:cNvPr id="11" name="直接箭头连接符 10"/>
-          <p:cNvCxnSpPr/>
-          <p:nvPr/>
-        </p:nvCxnSpPr>
-        <p:spPr>
-          <a:xfrm flipH="1">
-            <a:off x="7266305" y="2620010"/>
-            <a:ext cx="1894840" cy="604520"/>
-          </a:xfrm>
-          <a:prstGeom prst="straightConnector1">
-            <a:avLst/>
-          </a:prstGeom>
-          <a:ln>
-            <a:solidFill>
-              <a:schemeClr val="bg1"/>
-            </a:solidFill>
-            <a:tailEnd type="arrow" w="lg" len="lg"/>
-          </a:ln>
-        </p:spPr>
-        <p:style>
-          <a:lnRef idx="1">
-            <a:schemeClr val="accent1"/>
-          </a:lnRef>
-          <a:fillRef idx="0">
-            <a:schemeClr val="accent1"/>
-          </a:fillRef>
-          <a:effectRef idx="0">
-            <a:schemeClr val="accent1"/>
-          </a:effectRef>
-          <a:fontRef idx="minor">
-            <a:schemeClr val="tx1"/>
-          </a:fontRef>
-        </p:style>
-      </p:cxnSp>
-      <p:cxnSp>
-        <p:nvCxnSpPr>
-          <p:cNvPr id="12" name="直接箭头连接符 11"/>
-          <p:cNvCxnSpPr/>
-          <p:nvPr/>
-        </p:nvCxnSpPr>
-        <p:spPr>
-          <a:xfrm flipV="1">
-            <a:off x="5980430" y="3622675"/>
-            <a:ext cx="120015" cy="1057275"/>
-          </a:xfrm>
-          <a:prstGeom prst="straightConnector1">
-            <a:avLst/>
-          </a:prstGeom>
-          <a:ln>
-            <a:solidFill>
-              <a:schemeClr val="bg1"/>
-            </a:solidFill>
-            <a:tailEnd type="arrow" w="lg" len="lg"/>
-          </a:ln>
-        </p:spPr>
-        <p:style>
-          <a:lnRef idx="1">
-            <a:schemeClr val="accent1"/>
-          </a:lnRef>
-          <a:fillRef idx="0">
-            <a:schemeClr val="accent1"/>
-          </a:fillRef>
-          <a:effectRef idx="0">
-            <a:schemeClr val="accent1"/>
-          </a:effectRef>
-          <a:fontRef idx="minor">
-            <a:schemeClr val="tx1"/>
-          </a:fontRef>
-        </p:style>
-      </p:cxnSp>
     </p:spTree>
     <p:custDataLst>
       <p:tags r:id="rId1"/>
@@ -10054,38 +9443,6 @@
 </file>
 
 <file path=ppt/tags/tag5.xml><?xml version="1.0" encoding="utf-8"?>
-<p:tagLst xmlns:p="http://schemas.openxmlformats.org/presentationml/2006/main">
-  <p:tag name="KSO_WM_BEAUTIFY_FLAG" val="#wm#"/>
-  <p:tag name="KSO_WM_TEMPLATE_CATEGORY" val="basetag"/>
-  <p:tag name="KSO_WM_TEMPLATE_INDEX" val="20161347"/>
-</p:tagLst>
-</file>
-
-<file path=ppt/tags/tag6.xml><?xml version="1.0" encoding="utf-8"?>
-<p:tagLst xmlns:p="http://schemas.openxmlformats.org/presentationml/2006/main">
-  <p:tag name="KSO_WM_BEAUTIFY_FLAG" val="#wm#"/>
-  <p:tag name="KSO_WM_TEMPLATE_CATEGORY" val="basetag"/>
-  <p:tag name="KSO_WM_TEMPLATE_INDEX" val="20161347"/>
-</p:tagLst>
-</file>
-
-<file path=ppt/tags/tag7.xml><?xml version="1.0" encoding="utf-8"?>
-<p:tagLst xmlns:p="http://schemas.openxmlformats.org/presentationml/2006/main">
-  <p:tag name="KSO_WM_BEAUTIFY_FLAG" val="#wm#"/>
-  <p:tag name="KSO_WM_TEMPLATE_CATEGORY" val="basetag"/>
-  <p:tag name="KSO_WM_TEMPLATE_INDEX" val="20161347"/>
-</p:tagLst>
-</file>
-
-<file path=ppt/tags/tag8.xml><?xml version="1.0" encoding="utf-8"?>
-<p:tagLst xmlns:p="http://schemas.openxmlformats.org/presentationml/2006/main">
-  <p:tag name="KSO_WM_BEAUTIFY_FLAG" val="#wm#"/>
-  <p:tag name="KSO_WM_TEMPLATE_CATEGORY" val="basetag"/>
-  <p:tag name="KSO_WM_TEMPLATE_INDEX" val="20161347"/>
-</p:tagLst>
-</file>
-
-<file path=ppt/tags/tag9.xml><?xml version="1.0" encoding="utf-8"?>
 <p:tagLst xmlns:p="http://schemas.openxmlformats.org/presentationml/2006/main">
   <p:tag name="KSO_WM_BEAUTIFY_FLAG" val="#wm#"/>
   <p:tag name="KSO_WM_TEMPLATE_CATEGORY" val="basetag"/>
